--- a/Dialogs.pptx
+++ b/Dialogs.pptx
@@ -259,7 +259,7 @@
               <a:rPr lang="en-US" smtClean="0">
                 <a:latin typeface="Segoe UI" pitchFamily="34" charset="0"/>
               </a:rPr>
-              <a:t>10/18/2016 8:25 AM</a:t>
+              <a:t>10/20/2016 6:01 PM</a:t>
             </a:fld>
             <a:endParaRPr lang="en-US" dirty="0">
               <a:latin typeface="Segoe UI" pitchFamily="34" charset="0"/>
@@ -537,7 +537,7 @@
           <a:p>
             <a:fld id="{79C601B9-5273-467A-8E48-EC9939578C8F}" type="datetime8">
               <a:rPr lang="en-US" smtClean="0"/>
-              <a:t>10/18/2016 8:24 AM</a:t>
+              <a:t>10/20/2016 6:01 PM</a:t>
             </a:fld>
             <a:endParaRPr lang="en-US" dirty="0"/>
           </a:p>
@@ -973,7 +973,7 @@
                   <a:prstClr val="black"/>
                 </a:solidFill>
               </a:rPr>
-              <a:t>10/18/2016 8:24 AM</a:t>
+              <a:t>10/20/2016 6:01 PM</a:t>
             </a:fld>
             <a:endParaRPr lang="en-US" dirty="0">
               <a:solidFill>
@@ -25386,7 +25386,7 @@
           <a:p>
             <a:fld id="{21294558-F853-46DA-845C-C38CC3592FCC}" type="datetimeFigureOut">
               <a:rPr lang="en-US" smtClean="0"/>
-              <a:t>10/18/2016</a:t>
+              <a:t>10/20/2016</a:t>
             </a:fld>
             <a:endParaRPr lang="en-US"/>
           </a:p>
@@ -25878,7 +25878,7 @@
           <a:lstStyle/>
           <a:p>
             <a:r>
-              <a:rPr lang="pt-BR" dirty="0" err="1"/>
+              <a:rPr lang="pt-BR"/>
               <a:t>Dialogs</a:t>
             </a:r>
             <a:endParaRPr lang="en-US" dirty="0"/>
@@ -26096,11 +26096,7 @@
           <a:p>
             <a:r>
               <a:rPr lang="en-US" dirty="0"/>
-              <a:t>Dialogs can be composed with other dialogs to maximize reuse</a:t>
-            </a:r>
-            <a:r>
-              <a:rPr lang="en-US" dirty="0"/>
-              <a:t>.</a:t>
+              <a:t>Dialogs can be composed with other dialogs to maximize reuse.</a:t>
             </a:r>
           </a:p>
           <a:p>
@@ -28549,12 +28545,12 @@
 </file>
 
 <file path=customXml/item1.xml><?xml version="1.0" encoding="utf-8"?>
-<p:properties xmlns:p="http://schemas.microsoft.com/office/2006/metadata/properties" xmlns:xsi="http://www.w3.org/2001/XMLSchema-instance" xmlns:pc="http://schemas.microsoft.com/office/infopath/2007/PartnerControls">
-  <documentManagement>
-    <_ip_UnifiedCompliancePolicyUIAction xmlns="http://schemas.microsoft.com/sharepoint/v3" xsi:nil="true"/>
-    <_ip_UnifiedCompliancePolicyProperties xmlns="http://schemas.microsoft.com/sharepoint/v3" xsi:nil="true"/>
-  </documentManagement>
-</p:properties>
+<?mso-contentType ?>
+<FormTemplates xmlns="http://schemas.microsoft.com/sharepoint/v3/contenttype/forms">
+  <Display>DocumentLibraryForm</Display>
+  <Edit>DocumentLibraryForm</Edit>
+  <New>DocumentLibraryForm</New>
+</FormTemplates>
 </file>
 
 <file path=customXml/item2.xml><?xml version="1.0" encoding="utf-8"?>
@@ -28737,27 +28733,18 @@
 </file>
 
 <file path=customXml/item3.xml><?xml version="1.0" encoding="utf-8"?>
-<?mso-contentType ?>
-<FormTemplates xmlns="http://schemas.microsoft.com/sharepoint/v3/contenttype/forms">
-  <Display>DocumentLibraryForm</Display>
-  <Edit>DocumentLibraryForm</Edit>
-  <New>DocumentLibraryForm</New>
-</FormTemplates>
+<p:properties xmlns:p="http://schemas.microsoft.com/office/2006/metadata/properties" xmlns:xsi="http://www.w3.org/2001/XMLSchema-instance" xmlns:pc="http://schemas.microsoft.com/office/infopath/2007/PartnerControls">
+  <documentManagement>
+    <_ip_UnifiedCompliancePolicyUIAction xmlns="http://schemas.microsoft.com/sharepoint/v3" xsi:nil="true"/>
+    <_ip_UnifiedCompliancePolicyProperties xmlns="http://schemas.microsoft.com/sharepoint/v3" xsi:nil="true"/>
+  </documentManagement>
+</p:properties>
 </file>
 
 <file path=customXml/itemProps1.xml><?xml version="1.0" encoding="utf-8"?>
-<ds:datastoreItem xmlns:ds="http://schemas.openxmlformats.org/officeDocument/2006/customXml" ds:itemID="{F990F116-B58F-4255-B05B-DA3808E0E5C6}">
+<ds:datastoreItem xmlns:ds="http://schemas.openxmlformats.org/officeDocument/2006/customXml" ds:itemID="{758FDAC0-319D-4A54-8D8E-1D42CB1F8004}">
   <ds:schemaRefs>
-    <ds:schemaRef ds:uri="http://purl.org/dc/terms/"/>
-    <ds:schemaRef ds:uri="d87d3f9f-2250-40d8-b5bc-a0322da27611"/>
-    <ds:schemaRef ds:uri="http://schemas.microsoft.com/office/2006/documentManagement/types"/>
-    <ds:schemaRef ds:uri="http://www.w3.org/XML/1998/namespace"/>
-    <ds:schemaRef ds:uri="http://purl.org/dc/dcmitype/"/>
-    <ds:schemaRef ds:uri="http://schemas.openxmlformats.org/package/2006/metadata/core-properties"/>
-    <ds:schemaRef ds:uri="http://purl.org/dc/elements/1.1/"/>
-    <ds:schemaRef ds:uri="http://schemas.microsoft.com/office/infopath/2007/PartnerControls"/>
-    <ds:schemaRef ds:uri="http://schemas.microsoft.com/sharepoint/v3"/>
-    <ds:schemaRef ds:uri="http://schemas.microsoft.com/office/2006/metadata/properties"/>
+    <ds:schemaRef ds:uri="http://schemas.microsoft.com/sharepoint/v3/contenttype/forms"/>
   </ds:schemaRefs>
 </ds:datastoreItem>
 </file>
@@ -28782,9 +28769,18 @@
 </file>
 
 <file path=customXml/itemProps3.xml><?xml version="1.0" encoding="utf-8"?>
-<ds:datastoreItem xmlns:ds="http://schemas.openxmlformats.org/officeDocument/2006/customXml" ds:itemID="{758FDAC0-319D-4A54-8D8E-1D42CB1F8004}">
+<ds:datastoreItem xmlns:ds="http://schemas.openxmlformats.org/officeDocument/2006/customXml" ds:itemID="{F990F116-B58F-4255-B05B-DA3808E0E5C6}">
   <ds:schemaRefs>
-    <ds:schemaRef ds:uri="http://schemas.microsoft.com/sharepoint/v3/contenttype/forms"/>
+    <ds:schemaRef ds:uri="http://purl.org/dc/terms/"/>
+    <ds:schemaRef ds:uri="d87d3f9f-2250-40d8-b5bc-a0322da27611"/>
+    <ds:schemaRef ds:uri="http://schemas.microsoft.com/office/2006/documentManagement/types"/>
+    <ds:schemaRef ds:uri="http://www.w3.org/XML/1998/namespace"/>
+    <ds:schemaRef ds:uri="http://purl.org/dc/dcmitype/"/>
+    <ds:schemaRef ds:uri="http://schemas.openxmlformats.org/package/2006/metadata/core-properties"/>
+    <ds:schemaRef ds:uri="http://purl.org/dc/elements/1.1/"/>
+    <ds:schemaRef ds:uri="http://schemas.microsoft.com/office/infopath/2007/PartnerControls"/>
+    <ds:schemaRef ds:uri="http://schemas.microsoft.com/sharepoint/v3"/>
+    <ds:schemaRef ds:uri="http://schemas.microsoft.com/office/2006/metadata/properties"/>
   </ds:schemaRefs>
 </ds:datastoreItem>
 </file>